--- a/Disused code/Misc/DLM_DFO/Lectures/X Robustness and Ecosystem/LXb Time varying parameters and ecosystem considerations.pptx
+++ b/Disused code/Misc/DLM_DFO/Lectures/X Robustness and Ecosystem/LXb Time varying parameters and ecosystem considerations.pptx
@@ -165,6 +165,10 @@
 </p:presentation>
 </file>
 
+<file path=ppt/revisionInfo.xml><?xml version="1.0" encoding="utf-8"?>
+<p1510:revInfo xmlns:a="http://schemas.openxmlformats.org/drawingml/2006/main" xmlns:r="http://schemas.openxmlformats.org/officeDocument/2006/relationships" xmlns:p1510="http://schemas.microsoft.com/office/powerpoint/2015/10/main"/>
+</file>
+
 <file path=ppt/notesMasters/notesMaster1.xml><?xml version="1.0" encoding="utf-8"?>
 <p:notesMaster xmlns:a="http://schemas.openxmlformats.org/drawingml/2006/main" xmlns:r="http://schemas.openxmlformats.org/officeDocument/2006/relationships" xmlns:p="http://schemas.openxmlformats.org/presentationml/2006/main">
   <p:cSld>
@@ -263,7 +267,7 @@
               <a:pPr>
                 <a:defRPr/>
               </a:pPr>
-              <a:t>2017-10-20</a:t>
+              <a:t>2017-10-23</a:t>
             </a:fld>
             <a:endParaRPr lang="en-CA"/>
           </a:p>
@@ -328,35 +332,35 @@
           <a:p>
             <a:pPr lvl="0"/>
             <a:r>
-              <a:rPr lang="en-US" noProof="0" smtClean="0"/>
+              <a:rPr lang="en-US" noProof="0"/>
               <a:t>Click to edit Master text styles</a:t>
             </a:r>
           </a:p>
           <a:p>
             <a:pPr lvl="1"/>
             <a:r>
-              <a:rPr lang="en-US" noProof="0" smtClean="0"/>
+              <a:rPr lang="en-US" noProof="0"/>
               <a:t>Second level</a:t>
             </a:r>
           </a:p>
           <a:p>
             <a:pPr lvl="2"/>
             <a:r>
-              <a:rPr lang="en-US" noProof="0" smtClean="0"/>
+              <a:rPr lang="en-US" noProof="0"/>
               <a:t>Third level</a:t>
             </a:r>
           </a:p>
           <a:p>
             <a:pPr lvl="3"/>
             <a:r>
-              <a:rPr lang="en-US" noProof="0" smtClean="0"/>
+              <a:rPr lang="en-US" noProof="0"/>
               <a:t>Fourth level</a:t>
             </a:r>
           </a:p>
           <a:p>
             <a:pPr lvl="4"/>
             <a:r>
-              <a:rPr lang="en-US" noProof="0" smtClean="0"/>
+              <a:rPr lang="en-US" noProof="0"/>
               <a:t>Fifth level</a:t>
             </a:r>
             <a:endParaRPr lang="en-CA" noProof="0"/>
@@ -648,7 +652,7 @@
           </a:lstStyle>
           <a:p>
             <a:r>
-              <a:rPr lang="en-US" smtClean="0"/>
+              <a:rPr lang="en-US"/>
               <a:t>Click to edit Master title style</a:t>
             </a:r>
             <a:endParaRPr lang="en-US" dirty="0"/>
@@ -744,7 +748,7 @@
           </a:lstStyle>
           <a:p>
             <a:r>
-              <a:rPr lang="en-US" smtClean="0"/>
+              <a:rPr lang="en-US"/>
               <a:t>Click to edit Master subtitle style</a:t>
             </a:r>
             <a:endParaRPr lang="en-US" dirty="0"/>
@@ -778,7 +782,7 @@
               <a:pPr>
                 <a:defRPr/>
               </a:pPr>
-              <a:t>10/20/2017</a:t>
+              <a:t>10/23/2017</a:t>
             </a:fld>
             <a:endParaRPr lang="en-US" dirty="0"/>
           </a:p>
@@ -957,7 +961,7 @@
           </a:lstStyle>
           <a:p>
             <a:r>
-              <a:rPr lang="en-US" smtClean="0"/>
+              <a:rPr lang="en-US"/>
               <a:t>Click to edit Master title style</a:t>
             </a:r>
             <a:endParaRPr lang="en-US" dirty="0"/>
@@ -1025,7 +1029,7 @@
           <a:p>
             <a:pPr lvl="0"/>
             <a:r>
-              <a:rPr lang="en-US" noProof="0" smtClean="0"/>
+              <a:rPr lang="en-US" noProof="0"/>
               <a:t>Click icon to add picture</a:t>
             </a:r>
             <a:endParaRPr lang="en-US" noProof="0" dirty="0"/>
@@ -1115,7 +1119,7 @@
           <a:p>
             <a:pPr lvl="0"/>
             <a:r>
-              <a:rPr lang="en-US" smtClean="0"/>
+              <a:rPr lang="en-US"/>
               <a:t>Click to edit Master text styles</a:t>
             </a:r>
           </a:p>
@@ -1148,7 +1152,7 @@
               <a:pPr>
                 <a:defRPr/>
               </a:pPr>
-              <a:t>10/20/2017</a:t>
+              <a:t>10/23/2017</a:t>
             </a:fld>
             <a:endParaRPr lang="en-US" dirty="0"/>
           </a:p>
@@ -1327,7 +1331,7 @@
           </a:lstStyle>
           <a:p>
             <a:r>
-              <a:rPr lang="en-US" smtClean="0"/>
+              <a:rPr lang="en-US"/>
               <a:t>Click to edit Master title style</a:t>
             </a:r>
             <a:endParaRPr lang="en-US" dirty="0"/>
@@ -1393,7 +1397,7 @@
           <a:p>
             <a:pPr lvl="0"/>
             <a:r>
-              <a:rPr lang="en-US" smtClean="0"/>
+              <a:rPr lang="en-US"/>
               <a:t>Click to edit Master text styles</a:t>
             </a:r>
           </a:p>
@@ -1426,7 +1430,7 @@
               <a:pPr>
                 <a:defRPr/>
               </a:pPr>
-              <a:t>10/20/2017</a:t>
+              <a:t>10/23/2017</a:t>
             </a:fld>
             <a:endParaRPr lang="en-US" dirty="0"/>
           </a:p>
@@ -1847,7 +1851,7 @@
           </a:lstStyle>
           <a:p>
             <a:r>
-              <a:rPr lang="en-US" smtClean="0"/>
+              <a:rPr lang="en-US"/>
               <a:t>Click to edit Master title style</a:t>
             </a:r>
             <a:endParaRPr lang="en-US" dirty="0"/>
@@ -1915,7 +1919,7 @@
           <a:p>
             <a:pPr lvl="0"/>
             <a:r>
-              <a:rPr lang="en-US" smtClean="0"/>
+              <a:rPr lang="en-US"/>
               <a:t>Click to edit Master text styles</a:t>
             </a:r>
           </a:p>
@@ -1982,7 +1986,7 @@
           <a:p>
             <a:pPr lvl="0"/>
             <a:r>
-              <a:rPr lang="en-US" smtClean="0"/>
+              <a:rPr lang="en-US"/>
               <a:t>Click to edit Master text styles</a:t>
             </a:r>
           </a:p>
@@ -2015,7 +2019,7 @@
               <a:pPr>
                 <a:defRPr/>
               </a:pPr>
-              <a:t>10/20/2017</a:t>
+              <a:t>10/23/2017</a:t>
             </a:fld>
             <a:endParaRPr lang="en-US" dirty="0"/>
           </a:p>
@@ -2196,7 +2200,7 @@
           </a:lstStyle>
           <a:p>
             <a:r>
-              <a:rPr lang="en-US" smtClean="0"/>
+              <a:rPr lang="en-US"/>
               <a:t>Click to edit Master title style</a:t>
             </a:r>
             <a:endParaRPr lang="en-US" dirty="0"/>
@@ -2262,7 +2266,7 @@
           <a:p>
             <a:pPr lvl="0"/>
             <a:r>
-              <a:rPr lang="en-US" smtClean="0"/>
+              <a:rPr lang="en-US"/>
               <a:t>Click to edit Master text styles</a:t>
             </a:r>
           </a:p>
@@ -2295,7 +2299,7 @@
               <a:pPr>
                 <a:defRPr/>
               </a:pPr>
-              <a:t>10/20/2017</a:t>
+              <a:t>10/23/2017</a:t>
             </a:fld>
             <a:endParaRPr lang="en-US" dirty="0"/>
           </a:p>
@@ -2470,7 +2474,7 @@
           <a:lstStyle/>
           <a:p>
             <a:r>
-              <a:rPr lang="en-US" smtClean="0"/>
+              <a:rPr lang="en-US"/>
               <a:t>Click to edit Master title style</a:t>
             </a:r>
             <a:endParaRPr lang="en-US" dirty="0"/>
@@ -2565,7 +2569,7 @@
           <a:p>
             <a:pPr lvl="0"/>
             <a:r>
-              <a:rPr lang="en-US" smtClean="0"/>
+              <a:rPr lang="en-US"/>
               <a:t>Click to edit Master text styles</a:t>
             </a:r>
           </a:p>
@@ -2632,7 +2636,7 @@
           <a:p>
             <a:pPr lvl="0"/>
             <a:r>
-              <a:rPr lang="en-US" smtClean="0"/>
+              <a:rPr lang="en-US"/>
               <a:t>Click to edit Master text styles</a:t>
             </a:r>
           </a:p>
@@ -2694,7 +2698,7 @@
           <a:p>
             <a:pPr lvl="0"/>
             <a:r>
-              <a:rPr lang="en-US" smtClean="0"/>
+              <a:rPr lang="en-US"/>
               <a:t>Click to edit Master text styles</a:t>
             </a:r>
           </a:p>
@@ -2761,7 +2765,7 @@
           <a:p>
             <a:pPr lvl="0"/>
             <a:r>
-              <a:rPr lang="en-US" smtClean="0"/>
+              <a:rPr lang="en-US"/>
               <a:t>Click to edit Master text styles</a:t>
             </a:r>
           </a:p>
@@ -2823,7 +2827,7 @@
           <a:p>
             <a:pPr lvl="0"/>
             <a:r>
-              <a:rPr lang="en-US" smtClean="0"/>
+              <a:rPr lang="en-US"/>
               <a:t>Click to edit Master text styles</a:t>
             </a:r>
           </a:p>
@@ -2890,7 +2894,7 @@
           <a:p>
             <a:pPr lvl="0"/>
             <a:r>
-              <a:rPr lang="en-US" smtClean="0"/>
+              <a:rPr lang="en-US"/>
               <a:t>Click to edit Master text styles</a:t>
             </a:r>
           </a:p>
@@ -2923,7 +2927,7 @@
               <a:pPr>
                 <a:defRPr/>
               </a:pPr>
-              <a:t>10/20/2017</a:t>
+              <a:t>10/23/2017</a:t>
             </a:fld>
             <a:endParaRPr lang="en-US" dirty="0"/>
           </a:p>
@@ -3098,7 +3102,7 @@
           <a:lstStyle/>
           <a:p>
             <a:r>
-              <a:rPr lang="en-US" smtClean="0"/>
+              <a:rPr lang="en-US"/>
               <a:t>Click to edit Master title style</a:t>
             </a:r>
             <a:endParaRPr lang="en-US" dirty="0"/>
@@ -3189,7 +3193,7 @@
           <a:p>
             <a:pPr lvl="0"/>
             <a:r>
-              <a:rPr lang="en-US" smtClean="0"/>
+              <a:rPr lang="en-US"/>
               <a:t>Click to edit Master text styles</a:t>
             </a:r>
           </a:p>
@@ -3268,7 +3272,7 @@
           <a:p>
             <a:pPr lvl="0"/>
             <a:r>
-              <a:rPr lang="en-US" noProof="0" smtClean="0"/>
+              <a:rPr lang="en-US" noProof="0"/>
               <a:t>Click icon to add picture</a:t>
             </a:r>
             <a:endParaRPr lang="en-US" noProof="0" dirty="0"/>
@@ -3336,7 +3340,7 @@
           <a:p>
             <a:pPr lvl="0"/>
             <a:r>
-              <a:rPr lang="en-US" smtClean="0"/>
+              <a:rPr lang="en-US"/>
               <a:t>Click to edit Master text styles</a:t>
             </a:r>
           </a:p>
@@ -3426,7 +3430,7 @@
           <a:p>
             <a:pPr lvl="0"/>
             <a:r>
-              <a:rPr lang="en-US" smtClean="0"/>
+              <a:rPr lang="en-US"/>
               <a:t>Click to edit Master text styles</a:t>
             </a:r>
           </a:p>
@@ -3505,7 +3509,7 @@
           <a:p>
             <a:pPr lvl="0"/>
             <a:r>
-              <a:rPr lang="en-US" noProof="0" smtClean="0"/>
+              <a:rPr lang="en-US" noProof="0"/>
               <a:t>Click icon to add picture</a:t>
             </a:r>
             <a:endParaRPr lang="en-US" noProof="0" dirty="0"/>
@@ -3573,7 +3577,7 @@
           <a:p>
             <a:pPr lvl="0"/>
             <a:r>
-              <a:rPr lang="en-US" smtClean="0"/>
+              <a:rPr lang="en-US"/>
               <a:t>Click to edit Master text styles</a:t>
             </a:r>
           </a:p>
@@ -3663,7 +3667,7 @@
           <a:p>
             <a:pPr lvl="0"/>
             <a:r>
-              <a:rPr lang="en-US" smtClean="0"/>
+              <a:rPr lang="en-US"/>
               <a:t>Click to edit Master text styles</a:t>
             </a:r>
           </a:p>
@@ -3742,7 +3746,7 @@
           <a:p>
             <a:pPr lvl="0"/>
             <a:r>
-              <a:rPr lang="en-US" noProof="0" smtClean="0"/>
+              <a:rPr lang="en-US" noProof="0"/>
               <a:t>Click icon to add picture</a:t>
             </a:r>
             <a:endParaRPr lang="en-US" noProof="0" dirty="0"/>
@@ -3810,7 +3814,7 @@
           <a:p>
             <a:pPr lvl="0"/>
             <a:r>
-              <a:rPr lang="en-US" smtClean="0"/>
+              <a:rPr lang="en-US"/>
               <a:t>Click to edit Master text styles</a:t>
             </a:r>
           </a:p>
@@ -3843,7 +3847,7 @@
               <a:pPr>
                 <a:defRPr/>
               </a:pPr>
-              <a:t>10/20/2017</a:t>
+              <a:t>10/23/2017</a:t>
             </a:fld>
             <a:endParaRPr lang="en-US" dirty="0"/>
           </a:p>
@@ -4013,7 +4017,7 @@
           <a:lstStyle/>
           <a:p>
             <a:r>
-              <a:rPr lang="en-US" smtClean="0"/>
+              <a:rPr lang="en-US"/>
               <a:t>Click to edit Master title style</a:t>
             </a:r>
             <a:endParaRPr lang="en-US" dirty="0"/>
@@ -4037,35 +4041,35 @@
           <a:p>
             <a:pPr lvl="0"/>
             <a:r>
-              <a:rPr lang="en-US" smtClean="0"/>
+              <a:rPr lang="en-US"/>
               <a:t>Click to edit Master text styles</a:t>
             </a:r>
           </a:p>
           <a:p>
             <a:pPr lvl="1"/>
             <a:r>
-              <a:rPr lang="en-US" smtClean="0"/>
+              <a:rPr lang="en-US"/>
               <a:t>Second level</a:t>
             </a:r>
           </a:p>
           <a:p>
             <a:pPr lvl="2"/>
             <a:r>
-              <a:rPr lang="en-US" smtClean="0"/>
+              <a:rPr lang="en-US"/>
               <a:t>Third level</a:t>
             </a:r>
           </a:p>
           <a:p>
             <a:pPr lvl="3"/>
             <a:r>
-              <a:rPr lang="en-US" smtClean="0"/>
+              <a:rPr lang="en-US"/>
               <a:t>Fourth level</a:t>
             </a:r>
           </a:p>
           <a:p>
             <a:pPr lvl="4"/>
             <a:r>
-              <a:rPr lang="en-US" smtClean="0"/>
+              <a:rPr lang="en-US"/>
               <a:t>Fifth level</a:t>
             </a:r>
             <a:endParaRPr lang="en-US" dirty="0"/>
@@ -4099,7 +4103,7 @@
               <a:pPr>
                 <a:defRPr/>
               </a:pPr>
-              <a:t>10/20/2017</a:t>
+              <a:t>10/23/2017</a:t>
             </a:fld>
             <a:endParaRPr lang="en-US" dirty="0"/>
           </a:p>
@@ -4274,7 +4278,7 @@
           <a:lstStyle/>
           <a:p>
             <a:r>
-              <a:rPr lang="en-US" smtClean="0"/>
+              <a:rPr lang="en-US"/>
               <a:t>Click to edit Master title style</a:t>
             </a:r>
             <a:endParaRPr lang="en-US" dirty="0"/>
@@ -4303,35 +4307,35 @@
           <a:p>
             <a:pPr lvl="0"/>
             <a:r>
-              <a:rPr lang="en-US" smtClean="0"/>
+              <a:rPr lang="en-US"/>
               <a:t>Click to edit Master text styles</a:t>
             </a:r>
           </a:p>
           <a:p>
             <a:pPr lvl="1"/>
             <a:r>
-              <a:rPr lang="en-US" smtClean="0"/>
+              <a:rPr lang="en-US"/>
               <a:t>Second level</a:t>
             </a:r>
           </a:p>
           <a:p>
             <a:pPr lvl="2"/>
             <a:r>
-              <a:rPr lang="en-US" smtClean="0"/>
+              <a:rPr lang="en-US"/>
               <a:t>Third level</a:t>
             </a:r>
           </a:p>
           <a:p>
             <a:pPr lvl="3"/>
             <a:r>
-              <a:rPr lang="en-US" smtClean="0"/>
+              <a:rPr lang="en-US"/>
               <a:t>Fourth level</a:t>
             </a:r>
           </a:p>
           <a:p>
             <a:pPr lvl="4"/>
             <a:r>
-              <a:rPr lang="en-US" smtClean="0"/>
+              <a:rPr lang="en-US"/>
               <a:t>Fifth level</a:t>
             </a:r>
             <a:endParaRPr lang="en-US" dirty="0"/>
@@ -4365,7 +4369,7 @@
               <a:pPr>
                 <a:defRPr/>
               </a:pPr>
-              <a:t>10/20/2017</a:t>
+              <a:t>10/23/2017</a:t>
             </a:fld>
             <a:endParaRPr lang="en-US" dirty="0"/>
           </a:p>
@@ -4535,10 +4539,9 @@
           </a:lstStyle>
           <a:p>
             <a:r>
-              <a:rPr lang="en-US" dirty="0" smtClean="0"/>
+              <a:rPr lang="en-US" dirty="0"/>
               <a:t>Click to edit Master title style</a:t>
             </a:r>
-            <a:endParaRPr lang="en-US" dirty="0"/>
           </a:p>
         </p:txBody>
       </p:sp>
@@ -4566,38 +4569,37 @@
           <a:p>
             <a:pPr lvl="0"/>
             <a:r>
-              <a:rPr lang="en-US" dirty="0" smtClean="0"/>
+              <a:rPr lang="en-US" dirty="0"/>
               <a:t>Click to edit Master text styles</a:t>
             </a:r>
           </a:p>
           <a:p>
             <a:pPr lvl="1"/>
             <a:r>
-              <a:rPr lang="en-US" dirty="0" smtClean="0"/>
+              <a:rPr lang="en-US" dirty="0"/>
               <a:t>Second level</a:t>
             </a:r>
           </a:p>
           <a:p>
             <a:pPr lvl="2"/>
             <a:r>
-              <a:rPr lang="en-US" dirty="0" smtClean="0"/>
+              <a:rPr lang="en-US" dirty="0"/>
               <a:t>Third level</a:t>
             </a:r>
           </a:p>
           <a:p>
             <a:pPr lvl="3"/>
             <a:r>
-              <a:rPr lang="en-US" dirty="0" smtClean="0"/>
+              <a:rPr lang="en-US" dirty="0"/>
               <a:t>Fourth level</a:t>
             </a:r>
           </a:p>
           <a:p>
             <a:pPr lvl="4"/>
             <a:r>
-              <a:rPr lang="en-US" dirty="0" smtClean="0"/>
+              <a:rPr lang="en-US" dirty="0"/>
               <a:t>Fifth level</a:t>
             </a:r>
-            <a:endParaRPr lang="en-US" dirty="0"/>
           </a:p>
         </p:txBody>
       </p:sp>
@@ -4628,7 +4630,7 @@
               <a:pPr>
                 <a:defRPr/>
               </a:pPr>
-              <a:t>10/20/2017</a:t>
+              <a:t>10/23/2017</a:t>
             </a:fld>
             <a:endParaRPr lang="en-US" dirty="0"/>
           </a:p>
@@ -4777,7 +4779,7 @@
           </a:lstStyle>
           <a:p>
             <a:r>
-              <a:rPr lang="en-US" smtClean="0"/>
+              <a:rPr lang="en-US"/>
               <a:t>Click to edit Master title style</a:t>
             </a:r>
             <a:endParaRPr lang="en-US" dirty="0"/>
@@ -4873,7 +4875,7 @@
           </a:lstStyle>
           <a:p>
             <a:r>
-              <a:rPr lang="en-US" smtClean="0"/>
+              <a:rPr lang="en-US"/>
               <a:t>Click to edit Master subtitle style</a:t>
             </a:r>
             <a:endParaRPr lang="en-US" dirty="0"/>
@@ -4907,7 +4909,7 @@
               <a:pPr>
                 <a:defRPr/>
               </a:pPr>
-              <a:t>10/20/2017</a:t>
+              <a:t>10/23/2017</a:t>
             </a:fld>
             <a:endParaRPr lang="en-US" dirty="0"/>
           </a:p>
@@ -5013,7 +5015,7 @@
           <a:lstStyle/>
           <a:p>
             <a:r>
-              <a:rPr lang="en-US" smtClean="0"/>
+              <a:rPr lang="en-US"/>
               <a:t>Click to edit Master title style</a:t>
             </a:r>
             <a:endParaRPr lang="en-US" dirty="0"/>
@@ -5042,35 +5044,35 @@
           <a:p>
             <a:pPr lvl="0"/>
             <a:r>
-              <a:rPr lang="en-US" smtClean="0"/>
+              <a:rPr lang="en-US"/>
               <a:t>Click to edit Master text styles</a:t>
             </a:r>
           </a:p>
           <a:p>
             <a:pPr lvl="1"/>
             <a:r>
-              <a:rPr lang="en-US" smtClean="0"/>
+              <a:rPr lang="en-US"/>
               <a:t>Second level</a:t>
             </a:r>
           </a:p>
           <a:p>
             <a:pPr lvl="2"/>
             <a:r>
-              <a:rPr lang="en-US" smtClean="0"/>
+              <a:rPr lang="en-US"/>
               <a:t>Third level</a:t>
             </a:r>
           </a:p>
           <a:p>
             <a:pPr lvl="3"/>
             <a:r>
-              <a:rPr lang="en-US" smtClean="0"/>
+              <a:rPr lang="en-US"/>
               <a:t>Fourth level</a:t>
             </a:r>
           </a:p>
           <a:p>
             <a:pPr lvl="4"/>
             <a:r>
-              <a:rPr lang="en-US" smtClean="0"/>
+              <a:rPr lang="en-US"/>
               <a:t>Fifth level</a:t>
             </a:r>
             <a:endParaRPr lang="en-US" dirty="0"/>
@@ -5099,35 +5101,35 @@
           <a:p>
             <a:pPr lvl="0"/>
             <a:r>
-              <a:rPr lang="en-US" smtClean="0"/>
+              <a:rPr lang="en-US"/>
               <a:t>Click to edit Master text styles</a:t>
             </a:r>
           </a:p>
           <a:p>
             <a:pPr lvl="1"/>
             <a:r>
-              <a:rPr lang="en-US" smtClean="0"/>
+              <a:rPr lang="en-US"/>
               <a:t>Second level</a:t>
             </a:r>
           </a:p>
           <a:p>
             <a:pPr lvl="2"/>
             <a:r>
-              <a:rPr lang="en-US" smtClean="0"/>
+              <a:rPr lang="en-US"/>
               <a:t>Third level</a:t>
             </a:r>
           </a:p>
           <a:p>
             <a:pPr lvl="3"/>
             <a:r>
-              <a:rPr lang="en-US" smtClean="0"/>
+              <a:rPr lang="en-US"/>
               <a:t>Fourth level</a:t>
             </a:r>
           </a:p>
           <a:p>
             <a:pPr lvl="4"/>
             <a:r>
-              <a:rPr lang="en-US" smtClean="0"/>
+              <a:rPr lang="en-US"/>
               <a:t>Fifth level</a:t>
             </a:r>
             <a:endParaRPr lang="en-US" dirty="0"/>
@@ -5161,7 +5163,7 @@
               <a:pPr>
                 <a:defRPr/>
               </a:pPr>
-              <a:t>10/20/2017</a:t>
+              <a:t>10/23/2017</a:t>
             </a:fld>
             <a:endParaRPr lang="en-US" dirty="0"/>
           </a:p>
@@ -5272,7 +5274,7 @@
           <a:lstStyle/>
           <a:p>
             <a:r>
-              <a:rPr lang="en-US" smtClean="0"/>
+              <a:rPr lang="en-US"/>
               <a:t>Click to edit Master title style</a:t>
             </a:r>
             <a:endParaRPr lang="en-US" dirty="0"/>
@@ -5367,7 +5369,7 @@
           <a:p>
             <a:pPr lvl="0"/>
             <a:r>
-              <a:rPr lang="en-US" smtClean="0"/>
+              <a:rPr lang="en-US"/>
               <a:t>Click to edit Master text styles</a:t>
             </a:r>
           </a:p>
@@ -5395,35 +5397,35 @@
           <a:p>
             <a:pPr lvl="0"/>
             <a:r>
-              <a:rPr lang="en-US" smtClean="0"/>
+              <a:rPr lang="en-US"/>
               <a:t>Click to edit Master text styles</a:t>
             </a:r>
           </a:p>
           <a:p>
             <a:pPr lvl="1"/>
             <a:r>
-              <a:rPr lang="en-US" smtClean="0"/>
+              <a:rPr lang="en-US"/>
               <a:t>Second level</a:t>
             </a:r>
           </a:p>
           <a:p>
             <a:pPr lvl="2"/>
             <a:r>
-              <a:rPr lang="en-US" smtClean="0"/>
+              <a:rPr lang="en-US"/>
               <a:t>Third level</a:t>
             </a:r>
           </a:p>
           <a:p>
             <a:pPr lvl="3"/>
             <a:r>
-              <a:rPr lang="en-US" smtClean="0"/>
+              <a:rPr lang="en-US"/>
               <a:t>Fourth level</a:t>
             </a:r>
           </a:p>
           <a:p>
             <a:pPr lvl="4"/>
             <a:r>
-              <a:rPr lang="en-US" smtClean="0"/>
+              <a:rPr lang="en-US"/>
               <a:t>Fifth level</a:t>
             </a:r>
             <a:endParaRPr lang="en-US" dirty="0"/>
@@ -5486,7 +5488,7 @@
           <a:p>
             <a:pPr lvl="0"/>
             <a:r>
-              <a:rPr lang="en-US" smtClean="0"/>
+              <a:rPr lang="en-US"/>
               <a:t>Click to edit Master text styles</a:t>
             </a:r>
           </a:p>
@@ -5514,35 +5516,35 @@
           <a:p>
             <a:pPr lvl="0"/>
             <a:r>
-              <a:rPr lang="en-US" smtClean="0"/>
+              <a:rPr lang="en-US"/>
               <a:t>Click to edit Master text styles</a:t>
             </a:r>
           </a:p>
           <a:p>
             <a:pPr lvl="1"/>
             <a:r>
-              <a:rPr lang="en-US" smtClean="0"/>
+              <a:rPr lang="en-US"/>
               <a:t>Second level</a:t>
             </a:r>
           </a:p>
           <a:p>
             <a:pPr lvl="2"/>
             <a:r>
-              <a:rPr lang="en-US" smtClean="0"/>
+              <a:rPr lang="en-US"/>
               <a:t>Third level</a:t>
             </a:r>
           </a:p>
           <a:p>
             <a:pPr lvl="3"/>
             <a:r>
-              <a:rPr lang="en-US" smtClean="0"/>
+              <a:rPr lang="en-US"/>
               <a:t>Fourth level</a:t>
             </a:r>
           </a:p>
           <a:p>
             <a:pPr lvl="4"/>
             <a:r>
-              <a:rPr lang="en-US" smtClean="0"/>
+              <a:rPr lang="en-US"/>
               <a:t>Fifth level</a:t>
             </a:r>
             <a:endParaRPr lang="en-US" dirty="0"/>
@@ -5576,7 +5578,7 @@
               <a:pPr>
                 <a:defRPr/>
               </a:pPr>
-              <a:t>10/20/2017</a:t>
+              <a:t>10/23/2017</a:t>
             </a:fld>
             <a:endParaRPr lang="en-US" dirty="0"/>
           </a:p>
@@ -5682,7 +5684,7 @@
           <a:lstStyle/>
           <a:p>
             <a:r>
-              <a:rPr lang="en-US" smtClean="0"/>
+              <a:rPr lang="en-US"/>
               <a:t>Click to edit Master title style</a:t>
             </a:r>
             <a:endParaRPr lang="en-US" dirty="0"/>
@@ -5716,7 +5718,7 @@
               <a:pPr>
                 <a:defRPr/>
               </a:pPr>
-              <a:t>10/20/2017</a:t>
+              <a:t>10/23/2017</a:t>
             </a:fld>
             <a:endParaRPr lang="en-US" dirty="0"/>
           </a:p>
@@ -5833,7 +5835,7 @@
               <a:pPr>
                 <a:defRPr/>
               </a:pPr>
-              <a:t>10/20/2017</a:t>
+              <a:t>10/23/2017</a:t>
             </a:fld>
             <a:endParaRPr lang="en-US" dirty="0"/>
           </a:p>
@@ -5948,7 +5950,7 @@
           </a:lstStyle>
           <a:p>
             <a:r>
-              <a:rPr lang="en-US" smtClean="0"/>
+              <a:rPr lang="en-US"/>
               <a:t>Click to edit Master title style</a:t>
             </a:r>
             <a:endParaRPr lang="en-US" dirty="0"/>
@@ -5977,35 +5979,35 @@
           <a:p>
             <a:pPr lvl="0"/>
             <a:r>
-              <a:rPr lang="en-US" smtClean="0"/>
+              <a:rPr lang="en-US"/>
               <a:t>Click to edit Master text styles</a:t>
             </a:r>
           </a:p>
           <a:p>
             <a:pPr lvl="1"/>
             <a:r>
-              <a:rPr lang="en-US" smtClean="0"/>
+              <a:rPr lang="en-US"/>
               <a:t>Second level</a:t>
             </a:r>
           </a:p>
           <a:p>
             <a:pPr lvl="2"/>
             <a:r>
-              <a:rPr lang="en-US" smtClean="0"/>
+              <a:rPr lang="en-US"/>
               <a:t>Third level</a:t>
             </a:r>
           </a:p>
           <a:p>
             <a:pPr lvl="3"/>
             <a:r>
-              <a:rPr lang="en-US" smtClean="0"/>
+              <a:rPr lang="en-US"/>
               <a:t>Fourth level</a:t>
             </a:r>
           </a:p>
           <a:p>
             <a:pPr lvl="4"/>
             <a:r>
-              <a:rPr lang="en-US" smtClean="0"/>
+              <a:rPr lang="en-US"/>
               <a:t>Fifth level</a:t>
             </a:r>
             <a:endParaRPr lang="en-US" dirty="0"/>
@@ -6097,7 +6099,7 @@
           <a:p>
             <a:pPr lvl="0"/>
             <a:r>
-              <a:rPr lang="en-US" smtClean="0"/>
+              <a:rPr lang="en-US"/>
               <a:t>Click to edit Master text styles</a:t>
             </a:r>
           </a:p>
@@ -6130,7 +6132,7 @@
               <a:pPr>
                 <a:defRPr/>
               </a:pPr>
-              <a:t>10/20/2017</a:t>
+              <a:t>10/23/2017</a:t>
             </a:fld>
             <a:endParaRPr lang="en-US" dirty="0"/>
           </a:p>
@@ -6245,7 +6247,7 @@
           </a:lstStyle>
           <a:p>
             <a:r>
-              <a:rPr lang="en-US" smtClean="0"/>
+              <a:rPr lang="en-US"/>
               <a:t>Click to edit Master title style</a:t>
             </a:r>
             <a:endParaRPr lang="en-US" dirty="0"/>
@@ -6313,7 +6315,7 @@
           <a:p>
             <a:pPr lvl="0"/>
             <a:r>
-              <a:rPr lang="en-US" noProof="0" smtClean="0"/>
+              <a:rPr lang="en-US" noProof="0"/>
               <a:t>Click icon to add picture</a:t>
             </a:r>
             <a:endParaRPr lang="en-US" noProof="0" dirty="0"/>
@@ -6405,7 +6407,7 @@
           <a:p>
             <a:pPr lvl="0"/>
             <a:r>
-              <a:rPr lang="en-US" smtClean="0"/>
+              <a:rPr lang="en-US"/>
               <a:t>Click to edit Master text styles</a:t>
             </a:r>
           </a:p>
@@ -6438,7 +6440,7 @@
               <a:pPr>
                 <a:defRPr/>
               </a:pPr>
-              <a:t>10/20/2017</a:t>
+              <a:t>10/23/2017</a:t>
             </a:fld>
             <a:endParaRPr lang="en-US" dirty="0"/>
           </a:p>
@@ -6588,7 +6590,7 @@
           <a:p>
             <a:pPr lvl="0"/>
             <a:r>
-              <a:rPr lang="en-US" altLang="en-US" smtClean="0"/>
+              <a:rPr lang="en-US" altLang="en-US"/>
               <a:t>Click to edit Master title style</a:t>
             </a:r>
           </a:p>
@@ -6646,35 +6648,35 @@
           <a:p>
             <a:pPr lvl="0"/>
             <a:r>
-              <a:rPr lang="en-US" altLang="en-US" smtClean="0"/>
+              <a:rPr lang="en-US" altLang="en-US"/>
               <a:t>Click to edit Master text styles</a:t>
             </a:r>
           </a:p>
           <a:p>
             <a:pPr lvl="1"/>
             <a:r>
-              <a:rPr lang="en-US" altLang="en-US" smtClean="0"/>
+              <a:rPr lang="en-US" altLang="en-US"/>
               <a:t>Second level</a:t>
             </a:r>
           </a:p>
           <a:p>
             <a:pPr lvl="2"/>
             <a:r>
-              <a:rPr lang="en-US" altLang="en-US" smtClean="0"/>
+              <a:rPr lang="en-US" altLang="en-US"/>
               <a:t>Third level</a:t>
             </a:r>
           </a:p>
           <a:p>
             <a:pPr lvl="3"/>
             <a:r>
-              <a:rPr lang="en-US" altLang="en-US" smtClean="0"/>
+              <a:rPr lang="en-US" altLang="en-US"/>
               <a:t>Fourth level</a:t>
             </a:r>
           </a:p>
           <a:p>
             <a:pPr lvl="4"/>
             <a:r>
-              <a:rPr lang="en-US" altLang="en-US" smtClean="0"/>
+              <a:rPr lang="en-US" altLang="en-US"/>
               <a:t>Fifth level</a:t>
             </a:r>
           </a:p>
@@ -6747,7 +6749,7 @@
               <a:pPr>
                 <a:defRPr/>
               </a:pPr>
-              <a:t>10/20/2017</a:t>
+              <a:t>10/23/2017</a:t>
             </a:fld>
             <a:endParaRPr lang="en-US" dirty="0"/>
           </a:p>
@@ -7913,18 +7915,13 @@
               <a:buNone/>
             </a:pPr>
             <a:r>
-              <a:rPr lang="en-US" altLang="en-US" sz="2000" dirty="0" smtClean="0">
+              <a:rPr lang="en-US" altLang="en-US" sz="2000" dirty="0">
                 <a:solidFill>
                   <a:schemeClr val="bg1"/>
                 </a:solidFill>
               </a:rPr>
               <a:t>Time varying parameters and ecosystem considerations</a:t>
             </a:r>
-            <a:endParaRPr lang="en-US" altLang="en-US" sz="2000" dirty="0">
-              <a:solidFill>
-                <a:schemeClr val="bg1"/>
-              </a:solidFill>
-            </a:endParaRPr>
           </a:p>
         </p:txBody>
       </p:sp>
@@ -8145,36 +8142,20 @@
               <a:t>Lecture </a:t>
             </a:r>
             <a:r>
-              <a:rPr lang="en-US" altLang="en-US" sz="1800" dirty="0" err="1" smtClean="0">
+              <a:rPr lang="en-US" altLang="en-US" sz="1800" dirty="0" err="1">
                 <a:solidFill>
                   <a:schemeClr val="bg1"/>
                 </a:solidFill>
               </a:rPr>
-              <a:t>X</a:t>
-            </a:r>
-            <a:r>
-              <a:rPr lang="en-US" altLang="en-US" sz="1800" dirty="0" err="1" smtClean="0">
+              <a:t>Xb</a:t>
+            </a:r>
+            <a:r>
+              <a:rPr lang="en-US" altLang="en-US" sz="1800" dirty="0">
                 <a:solidFill>
                   <a:schemeClr val="bg1"/>
                 </a:solidFill>
               </a:rPr>
-              <a:t>b</a:t>
-            </a:r>
-            <a:r>
-              <a:rPr lang="en-US" altLang="en-US" sz="1800" dirty="0" smtClean="0">
-                <a:solidFill>
-                  <a:schemeClr val="bg1"/>
-                </a:solidFill>
-              </a:rPr>
-              <a:t>,  Dec </a:t>
-            </a:r>
-            <a:r>
-              <a:rPr lang="en-US" altLang="en-US" sz="1800" dirty="0">
-                <a:solidFill>
-                  <a:schemeClr val="bg1"/>
-                </a:solidFill>
-              </a:rPr>
-              <a:t>2017</a:t>
+              <a:t>,  Dec 2017</a:t>
             </a:r>
           </a:p>
         </p:txBody>
@@ -8435,7 +8416,7 @@
           <p:cNvPr id="4" name="Picture 3">
             <a:extLst>
               <a:ext uri="{FF2B5EF4-FFF2-40B4-BE49-F238E27FC236}">
-                <a16:creationId xmlns="" xmlns:a16="http://schemas.microsoft.com/office/drawing/2014/main" id="{C65DC03F-AEEF-4777-8132-3DBBB17CD723}"/>
+                <a16:creationId xmlns:a16="http://schemas.microsoft.com/office/drawing/2014/main" id="{C65DC03F-AEEF-4777-8132-3DBBB17CD723}"/>
               </a:ext>
             </a:extLst>
           </p:cNvPr>
@@ -8470,13 +8451,6 @@
   <p:clrMapOvr>
     <a:masterClrMapping/>
   </p:clrMapOvr>
-  <p:timing>
-    <p:tnLst>
-      <p:par>
-        <p:cTn id="1" dur="indefinite" restart="never" nodeType="tmRoot"/>
-      </p:par>
-    </p:tnLst>
-  </p:timing>
 </p:sld>
 </file>
 
@@ -8518,10 +8492,9 @@
           <a:lstStyle/>
           <a:p>
             <a:r>
-              <a:rPr lang="en-CA" dirty="0" smtClean="0"/>
+              <a:rPr lang="en-CA" dirty="0"/>
               <a:t>Conclusions</a:t>
             </a:r>
-            <a:endParaRPr lang="en-CA" dirty="0"/>
           </a:p>
         </p:txBody>
       </p:sp>
@@ -8546,7 +8519,7 @@
           <a:lstStyle/>
           <a:p>
             <a:r>
-              <a:rPr lang="en-CA" dirty="0" smtClean="0"/>
+              <a:rPr lang="en-CA" dirty="0"/>
               <a:t>It is straightforward to test robustness of MPs to time-varying growth and recruitment processes</a:t>
             </a:r>
           </a:p>
@@ -8554,11 +8527,11 @@
             <a:pPr marL="0" indent="0">
               <a:buNone/>
             </a:pPr>
-            <a:endParaRPr lang="en-CA" dirty="0" smtClean="0"/>
-          </a:p>
-          <a:p>
-            <a:r>
-              <a:rPr lang="en-CA" dirty="0" smtClean="0"/>
+            <a:endParaRPr lang="en-CA" dirty="0"/>
+          </a:p>
+          <a:p>
+            <a:r>
+              <a:rPr lang="en-CA" dirty="0"/>
               <a:t>Growth and recruitment phenomenon have unpredictable impacts on MP performance.</a:t>
             </a:r>
           </a:p>
@@ -8619,7 +8592,7 @@
           <a:p>
             <a:pPr eaLnBrk="1" hangingPunct="1"/>
             <a:r>
-              <a:rPr lang="en-CA" altLang="en-US" dirty="0" smtClean="0">
+              <a:rPr lang="en-CA" altLang="en-US" dirty="0">
                 <a:solidFill>
                   <a:schemeClr val="bg1"/>
                 </a:solidFill>
@@ -8657,7 +8630,7 @@
               <a:buAutoNum type="arabicPeriod"/>
             </a:pPr>
             <a:r>
-              <a:rPr lang="en-CA" altLang="en-US" sz="2800" dirty="0" smtClean="0">
+              <a:rPr lang="en-CA" altLang="en-US" sz="2800" dirty="0">
                 <a:solidFill>
                   <a:srgbClr val="27AFE5"/>
                 </a:solidFill>
@@ -8674,7 +8647,7 @@
               <a:buAutoNum type="arabicPeriod"/>
             </a:pPr>
             <a:r>
-              <a:rPr lang="en-CA" altLang="en-US" sz="2800" dirty="0" smtClean="0">
+              <a:rPr lang="en-CA" altLang="en-US" sz="2800" dirty="0">
                 <a:solidFill>
                   <a:srgbClr val="27AFE5"/>
                 </a:solidFill>
@@ -8691,7 +8664,7 @@
               <a:buAutoNum type="arabicPeriod"/>
             </a:pPr>
             <a:r>
-              <a:rPr lang="en-CA" altLang="en-US" sz="2800" dirty="0" smtClean="0">
+              <a:rPr lang="en-CA" altLang="en-US" sz="2800" dirty="0">
                 <a:solidFill>
                   <a:srgbClr val="27AFE5"/>
                 </a:solidFill>
@@ -8706,13 +8679,6 @@
   <p:clrMapOvr>
     <a:masterClrMapping/>
   </p:clrMapOvr>
-  <p:timing>
-    <p:tnLst>
-      <p:par>
-        <p:cTn id="1" dur="indefinite" restart="never" nodeType="tmRoot"/>
-      </p:par>
-    </p:tnLst>
-  </p:timing>
 </p:sld>
 </file>
 
@@ -8756,10 +8722,9 @@
           <a:lstStyle/>
           <a:p>
             <a:r>
-              <a:rPr lang="en-CA" sz="2800" dirty="0" smtClean="0"/>
+              <a:rPr lang="en-CA" sz="2800" dirty="0"/>
               <a:t>Growth</a:t>
             </a:r>
-            <a:endParaRPr lang="en-CA" sz="2800" dirty="0"/>
           </a:p>
         </p:txBody>
       </p:sp>
@@ -8790,7 +8755,7 @@
               <a:buNone/>
             </a:pPr>
             <a:r>
-              <a:rPr lang="en-CA" dirty="0" smtClean="0"/>
+              <a:rPr lang="en-CA" dirty="0"/>
               <a:t>Many papers have cited impacts on growth in response to changing ocean conditions, prey availability or increased predation.</a:t>
             </a:r>
           </a:p>
@@ -8802,7 +8767,7 @@
               <a:buNone/>
             </a:pPr>
             <a:r>
-              <a:rPr lang="en-CA" dirty="0" smtClean="0"/>
+              <a:rPr lang="en-CA" dirty="0"/>
               <a:t>While DLMtool does not contain explicit  climate models or (currently) explicit ecosystem dynamics models, it does allow for time-changing parameters.</a:t>
             </a:r>
           </a:p>
@@ -8814,7 +8779,7 @@
               <a:buNone/>
             </a:pPr>
             <a:r>
-              <a:rPr lang="en-CA" dirty="0" smtClean="0"/>
+              <a:rPr lang="en-CA" dirty="0"/>
               <a:t>These time-varying parameter values may be based on research and included in the reference set of operating models or alternatively plausible scenarios could be proposed for robustness testing. </a:t>
             </a:r>
           </a:p>
@@ -8826,7 +8791,7 @@
               <a:buNone/>
             </a:pPr>
             <a:r>
-              <a:rPr lang="en-CA" dirty="0" smtClean="0"/>
+              <a:rPr lang="en-CA" dirty="0"/>
               <a:t>Note that changes in growth are likely to affect various classes of MPs very differently *</a:t>
             </a:r>
           </a:p>
@@ -8848,13 +8813,6 @@
   <p:clrMapOvr>
     <a:masterClrMapping/>
   </p:clrMapOvr>
-  <p:timing>
-    <p:tnLst>
-      <p:par>
-        <p:cTn id="1" dur="indefinite" restart="never" nodeType="tmRoot"/>
-      </p:par>
-    </p:tnLst>
-  </p:timing>
 </p:sld>
 </file>
 
@@ -8898,10 +8856,9 @@
           <a:lstStyle/>
           <a:p>
             <a:r>
-              <a:rPr lang="en-CA" sz="2800" dirty="0" smtClean="0"/>
+              <a:rPr lang="en-CA" sz="2800" dirty="0"/>
               <a:t>Parameterizing growth changes</a:t>
             </a:r>
-            <a:endParaRPr lang="en-CA" sz="2800" dirty="0"/>
           </a:p>
         </p:txBody>
       </p:sp>
@@ -8932,15 +8889,15 @@
               <a:buNone/>
             </a:pPr>
             <a:r>
-              <a:rPr lang="en-CA" sz="2200" dirty="0" smtClean="0"/>
+              <a:rPr lang="en-CA" sz="2200" dirty="0"/>
               <a:t>DLMtool currently provides temporal control of just two parameters: the maximum length (</a:t>
             </a:r>
             <a:r>
-              <a:rPr lang="en-CA" sz="2200" dirty="0" err="1" smtClean="0"/>
+              <a:rPr lang="en-CA" sz="2200" dirty="0" err="1"/>
               <a:t>Linf</a:t>
             </a:r>
             <a:r>
-              <a:rPr lang="en-CA" sz="2200" dirty="0" smtClean="0"/>
+              <a:rPr lang="en-CA" sz="2200" dirty="0"/>
               <a:t>) and the growth rate K. </a:t>
             </a:r>
           </a:p>
@@ -8952,23 +8909,23 @@
               <a:buNone/>
             </a:pPr>
             <a:r>
-              <a:rPr lang="en-CA" sz="2200" dirty="0" smtClean="0"/>
+              <a:rPr lang="en-CA" sz="2200" dirty="0"/>
               <a:t>In addition to uncertainty in their mean values, variability among years, you can also specify a % annual change (</a:t>
             </a:r>
             <a:r>
-              <a:rPr lang="en-CA" sz="2200" dirty="0" err="1" smtClean="0"/>
+              <a:rPr lang="en-CA" sz="2200" dirty="0" err="1"/>
               <a:t>Linfgrad</a:t>
             </a:r>
             <a:r>
-              <a:rPr lang="en-CA" sz="2200" dirty="0" smtClean="0"/>
+              <a:rPr lang="en-CA" sz="2200" dirty="0"/>
               <a:t>, </a:t>
             </a:r>
             <a:r>
-              <a:rPr lang="en-CA" sz="2200" dirty="0" err="1" smtClean="0"/>
+              <a:rPr lang="en-CA" sz="2200" dirty="0" err="1"/>
               <a:t>Kgrad</a:t>
             </a:r>
             <a:r>
-              <a:rPr lang="en-CA" sz="2200" dirty="0" smtClean="0"/>
+              <a:rPr lang="en-CA" sz="2200" dirty="0"/>
               <a:t>)</a:t>
             </a:r>
           </a:p>
@@ -8980,18 +8937,17 @@
               <a:buNone/>
             </a:pPr>
             <a:r>
-              <a:rPr lang="en-CA" sz="2200" dirty="0" smtClean="0"/>
+              <a:rPr lang="en-CA" sz="2200" dirty="0"/>
               <a:t>For example if you wanted to specify a mean value of </a:t>
             </a:r>
             <a:r>
-              <a:rPr lang="en-CA" sz="2200" dirty="0" err="1" smtClean="0"/>
+              <a:rPr lang="en-CA" sz="2200" dirty="0" err="1"/>
               <a:t>Linf</a:t>
             </a:r>
             <a:r>
-              <a:rPr lang="en-CA" sz="2200" dirty="0" smtClean="0"/>
+              <a:rPr lang="en-CA" sz="2200" dirty="0"/>
               <a:t> of between 140 - 160 cm with a +/- 15 cm annual variability and up to a 0.5 % annual decrease, the R code would be:</a:t>
             </a:r>
-            <a:endParaRPr lang="en-CA" sz="2200" dirty="0"/>
           </a:p>
         </p:txBody>
       </p:sp>
@@ -9059,13 +9015,6 @@
   <p:clrMapOvr>
     <a:masterClrMapping/>
   </p:clrMapOvr>
-  <p:timing>
-    <p:tnLst>
-      <p:par>
-        <p:cTn id="1" dur="indefinite" restart="never" nodeType="tmRoot"/>
-      </p:par>
-    </p:tnLst>
-  </p:timing>
 </p:sld>
 </file>
 
@@ -9109,10 +9058,9 @@
           <a:lstStyle/>
           <a:p>
             <a:r>
-              <a:rPr lang="en-CA" dirty="0" smtClean="0"/>
+              <a:rPr lang="en-CA" dirty="0"/>
               <a:t>Effects of changes in growth are unpredictable</a:t>
             </a:r>
-            <a:endParaRPr lang="en-CA" dirty="0"/>
           </a:p>
         </p:txBody>
       </p:sp>
@@ -9687,16 +9635,12 @@
           <a:lstStyle/>
           <a:p>
             <a:r>
-              <a:rPr lang="en-CA" dirty="0" smtClean="0"/>
+              <a:rPr lang="en-CA" dirty="0"/>
               <a:t>Natural mortality rate </a:t>
             </a:r>
             <a:br>
-              <a:rPr lang="en-CA" dirty="0" smtClean="0"/>
+              <a:rPr lang="en-CA" dirty="0"/>
             </a:br>
-            <a:r>
-              <a:rPr lang="en-CA" dirty="0"/>
-              <a:t/>
-            </a:r>
             <a:br>
               <a:rPr lang="en-CA" dirty="0"/>
             </a:br>
@@ -9731,7 +9675,7 @@
               <a:buNone/>
             </a:pPr>
             <a:r>
-              <a:rPr lang="en-CA" sz="2100" dirty="0" smtClean="0"/>
+              <a:rPr lang="en-CA" sz="2100" dirty="0"/>
               <a:t>Changes in M lead to fundamental shifts in the age-structure of the population and can have profound impacts on productivity and various data such as unfished mean size and catch composition.  </a:t>
             </a:r>
           </a:p>
@@ -9743,32 +9687,8 @@
               <a:buNone/>
             </a:pPr>
             <a:r>
-              <a:rPr lang="en-CA" sz="2100" dirty="0" smtClean="0"/>
-              <a:t>For example, in the absence of First Nations hunting, 5 fold increases in the number of marine predators (harbour seals) have lead to estimated </a:t>
-            </a:r>
-            <a:r>
-              <a:rPr lang="en-CA" sz="2100" dirty="0" smtClean="0"/>
-              <a:t>annual increases </a:t>
-            </a:r>
-            <a:r>
-              <a:rPr lang="en-CA" sz="2100" dirty="0" smtClean="0"/>
-              <a:t>in M for BC rockfish </a:t>
-            </a:r>
-            <a:r>
-              <a:rPr lang="en-CA" sz="2100" dirty="0" smtClean="0"/>
-              <a:t>species. Lets see how a 2-3</a:t>
-            </a:r>
-            <a:r>
-              <a:rPr lang="en-CA" sz="2100" dirty="0" smtClean="0"/>
-              <a:t>% </a:t>
-            </a:r>
-            <a:r>
-              <a:rPr lang="en-CA" sz="2100" dirty="0" smtClean="0"/>
-              <a:t>pa </a:t>
-            </a:r>
-            <a:r>
-              <a:rPr lang="en-CA" sz="2100" dirty="0" smtClean="0"/>
-              <a:t>increase in M affects MP performance: </a:t>
+              <a:rPr lang="en-CA" sz="2100" dirty="0"/>
+              <a:t>For example, in the absence of First Nations hunting, 5 fold increases in the number of marine predators (harbour seals) have lead to estimated annual increases in M for BC rockfish species. Lets see how a 2-3% pa increase in M affects MP performance: </a:t>
             </a:r>
             <a:endParaRPr lang="en-CA" sz="2200" dirty="0"/>
           </a:p>
@@ -10080,10 +10000,9 @@
           <a:lstStyle/>
           <a:p>
             <a:r>
-              <a:rPr lang="en-CA" dirty="0" smtClean="0"/>
+              <a:rPr lang="en-CA" dirty="0"/>
               <a:t>Recruitment</a:t>
             </a:r>
-            <a:endParaRPr lang="en-CA" dirty="0"/>
           </a:p>
         </p:txBody>
       </p:sp>
@@ -10111,7 +10030,7 @@
               <a:buNone/>
             </a:pPr>
             <a:r>
-              <a:rPr lang="en-CA" sz="2200" dirty="0" smtClean="0"/>
+              <a:rPr lang="en-CA" sz="2200" dirty="0"/>
               <a:t>DLMtool contains a number of slots for specifying recruitment:</a:t>
             </a:r>
           </a:p>
@@ -10120,15 +10039,15 @@
               <a:buNone/>
             </a:pPr>
             <a:r>
-              <a:rPr lang="en-CA" sz="2200" dirty="0" err="1" smtClean="0"/>
+              <a:rPr lang="en-CA" sz="2200" dirty="0" err="1"/>
               <a:t>Stock@SRrel</a:t>
             </a:r>
             <a:r>
-              <a:rPr lang="en-CA" sz="2200" dirty="0" smtClean="0"/>
+              <a:rPr lang="en-CA" sz="2200" dirty="0"/>
               <a:t>	      	</a:t>
             </a:r>
             <a:r>
-              <a:rPr lang="en-CA" sz="2200" b="1" dirty="0" smtClean="0">
+              <a:rPr lang="en-CA" sz="2200" b="1" dirty="0">
                 <a:solidFill>
                   <a:srgbClr val="F6BB00"/>
                 </a:solidFill>
@@ -10141,15 +10060,15 @@
               <a:buNone/>
             </a:pPr>
             <a:r>
-              <a:rPr lang="en-CA" sz="2200" dirty="0" err="1" smtClean="0"/>
+              <a:rPr lang="en-CA" sz="2200" dirty="0" err="1"/>
               <a:t>Stock@h</a:t>
             </a:r>
             <a:r>
-              <a:rPr lang="en-CA" sz="2200" dirty="0" smtClean="0"/>
+              <a:rPr lang="en-CA" sz="2200" dirty="0"/>
               <a:t>                    	</a:t>
             </a:r>
             <a:r>
-              <a:rPr lang="en-CA" sz="2200" b="1" dirty="0" smtClean="0">
+              <a:rPr lang="en-CA" sz="2200" b="1" dirty="0">
                 <a:solidFill>
                   <a:srgbClr val="F6BB00"/>
                 </a:solidFill>
@@ -10162,15 +10081,15 @@
               <a:buNone/>
             </a:pPr>
             <a:r>
-              <a:rPr lang="en-CA" sz="2200" dirty="0" err="1" smtClean="0"/>
+              <a:rPr lang="en-CA" sz="2200" dirty="0" err="1"/>
               <a:t>Stock@Perr</a:t>
             </a:r>
             <a:r>
-              <a:rPr lang="en-CA" sz="2200" dirty="0" smtClean="0"/>
+              <a:rPr lang="en-CA" sz="2200" dirty="0"/>
               <a:t>		</a:t>
             </a:r>
             <a:r>
-              <a:rPr lang="en-CA" sz="2200" b="1" dirty="0" smtClean="0">
+              <a:rPr lang="en-CA" sz="2200" b="1" dirty="0">
                 <a:solidFill>
                   <a:srgbClr val="F6BB00"/>
                 </a:solidFill>
@@ -10183,15 +10102,15 @@
               <a:buNone/>
             </a:pPr>
             <a:r>
-              <a:rPr lang="en-CA" sz="2200" dirty="0" err="1" smtClean="0"/>
+              <a:rPr lang="en-CA" sz="2200" dirty="0" err="1"/>
               <a:t>Stock@AC</a:t>
             </a:r>
             <a:r>
-              <a:rPr lang="en-CA" sz="2200" dirty="0" smtClean="0"/>
+              <a:rPr lang="en-CA" sz="2200" dirty="0"/>
               <a:t>			</a:t>
             </a:r>
             <a:r>
-              <a:rPr lang="en-CA" sz="2200" b="1" dirty="0" smtClean="0">
+              <a:rPr lang="en-CA" sz="2200" b="1" dirty="0">
                 <a:solidFill>
                   <a:srgbClr val="F6BB00"/>
                 </a:solidFill>
@@ -10204,40 +10123,19 @@
               <a:buNone/>
             </a:pPr>
             <a:r>
-              <a:rPr lang="en-CA" sz="2200" dirty="0" err="1" smtClean="0"/>
-              <a:t>Stock@Recgrad</a:t>
-            </a:r>
-            <a:r>
-              <a:rPr lang="en-CA" sz="2200" dirty="0" smtClean="0"/>
-              <a:t>          	</a:t>
-            </a:r>
-            <a:r>
-              <a:rPr lang="en-CA" sz="2200" b="1" dirty="0" smtClean="0">
-                <a:solidFill>
-                  <a:srgbClr val="F6BB00"/>
-                </a:solidFill>
-              </a:rPr>
-              <a:t>Gradient in recruitment</a:t>
-            </a:r>
-            <a:r>
-              <a:rPr lang="en-CA" sz="2200" dirty="0" smtClean="0"/>
+              <a:rPr lang="en-CA" sz="2200"/>
+              <a:t>Stock</a:t>
+            </a:r>
+            <a:r>
+              <a:rPr lang="en-CA" sz="2200" dirty="0" err="1"/>
+              <a:t>@Period</a:t>
+            </a:r>
+            <a:r>
+              <a:rPr lang="en-CA" sz="2200" dirty="0"/>
               <a:t>		</a:t>
             </a:r>
-          </a:p>
-          <a:p>
-            <a:pPr marL="0" indent="0">
-              <a:buNone/>
-            </a:pPr>
-            <a:r>
-              <a:rPr lang="en-CA" sz="2200" dirty="0" err="1" smtClean="0"/>
-              <a:t>Stock@Period</a:t>
-            </a:r>
-            <a:r>
-              <a:rPr lang="en-CA" sz="2200" dirty="0" smtClean="0"/>
-              <a:t>		</a:t>
-            </a:r>
-            <a:r>
-              <a:rPr lang="en-CA" sz="2200" b="1" dirty="0" smtClean="0">
+            <a:r>
+              <a:rPr lang="en-CA" sz="2200" b="1" dirty="0">
                 <a:solidFill>
                   <a:srgbClr val="F6BB00"/>
                 </a:solidFill>
@@ -10250,26 +10148,21 @@
               <a:buNone/>
             </a:pPr>
             <a:r>
-              <a:rPr lang="en-CA" sz="2200" dirty="0" err="1" smtClean="0"/>
+              <a:rPr lang="en-CA" sz="2200" dirty="0" err="1"/>
               <a:t>Stock@Amplitude</a:t>
             </a:r>
             <a:r>
-              <a:rPr lang="en-CA" sz="2200" dirty="0" smtClean="0"/>
+              <a:rPr lang="en-CA" sz="2200" dirty="0"/>
               <a:t>	</a:t>
             </a:r>
             <a:r>
-              <a:rPr lang="en-CA" sz="2200" b="1" dirty="0" smtClean="0">
+              <a:rPr lang="en-CA" sz="2200" b="1" dirty="0">
                 <a:solidFill>
                   <a:srgbClr val="F6BB00"/>
                 </a:solidFill>
               </a:rPr>
               <a:t>The size of phase shifts</a:t>
             </a:r>
-            <a:endParaRPr lang="en-CA" sz="2200" b="1" dirty="0">
-              <a:solidFill>
-                <a:srgbClr val="F6BB00"/>
-              </a:solidFill>
-            </a:endParaRPr>
           </a:p>
         </p:txBody>
       </p:sp>
@@ -10283,13 +10176,6 @@
   <p:clrMapOvr>
     <a:masterClrMapping/>
   </p:clrMapOvr>
-  <p:timing>
-    <p:tnLst>
-      <p:par>
-        <p:cTn id="1" dur="indefinite" restart="never" nodeType="tmRoot"/>
-      </p:par>
-    </p:tnLst>
-  </p:timing>
 </p:sld>
 </file>
 
@@ -10331,10 +10217,9 @@
           <a:lstStyle/>
           <a:p>
             <a:r>
-              <a:rPr lang="en-CA" dirty="0" smtClean="0"/>
+              <a:rPr lang="en-CA" dirty="0"/>
               <a:t>Recruitment phase shifts</a:t>
             </a:r>
-            <a:endParaRPr lang="en-CA" dirty="0"/>
           </a:p>
         </p:txBody>
       </p:sp>
@@ -10473,7 +10358,7 @@
               <a:buNone/>
             </a:pPr>
             <a:r>
-              <a:rPr lang="en-CA" sz="2100" dirty="0" smtClean="0"/>
+              <a:rPr lang="en-CA" sz="2100" dirty="0"/>
               <a:t>Short phases, large magnitude in shift</a:t>
             </a:r>
           </a:p>
@@ -10731,10 +10616,10 @@
               <a:buNone/>
             </a:pPr>
             <a:r>
-              <a:rPr lang="en-CA" sz="2100" dirty="0" smtClean="0"/>
+              <a:rPr lang="en-CA" sz="2100" dirty="0"/>
               <a:t>Longer phases, shallow shifts</a:t>
             </a:r>
-            <a:endParaRPr lang="en-CA" sz="2200" dirty="0" smtClean="0"/>
+            <a:endParaRPr lang="en-CA" sz="2200" dirty="0"/>
           </a:p>
           <a:p>
             <a:pPr marL="0" indent="0">
@@ -10866,13 +10751,6 @@
   <p:clrMapOvr>
     <a:masterClrMapping/>
   </p:clrMapOvr>
-  <p:timing>
-    <p:tnLst>
-      <p:par>
-        <p:cTn id="1" dur="indefinite" restart="never" nodeType="tmRoot"/>
-      </p:par>
-    </p:tnLst>
-  </p:timing>
 </p:sld>
 </file>
 

--- a/Disused code/Misc/DLM_DFO/Lectures/X Robustness and Ecosystem/LXb Time varying parameters and ecosystem considerations.pptx
+++ b/Disused code/Misc/DLM_DFO/Lectures/X Robustness and Ecosystem/LXb Time varying parameters and ecosystem considerations.pptx
@@ -267,7 +267,7 @@
               <a:pPr>
                 <a:defRPr/>
               </a:pPr>
-              <a:t>2017-10-23</a:t>
+              <a:t>2017-10-31</a:t>
             </a:fld>
             <a:endParaRPr lang="en-CA"/>
           </a:p>
@@ -782,7 +782,7 @@
               <a:pPr>
                 <a:defRPr/>
               </a:pPr>
-              <a:t>10/23/2017</a:t>
+              <a:t>10/31/2017</a:t>
             </a:fld>
             <a:endParaRPr lang="en-US" dirty="0"/>
           </a:p>
@@ -1152,7 +1152,7 @@
               <a:pPr>
                 <a:defRPr/>
               </a:pPr>
-              <a:t>10/23/2017</a:t>
+              <a:t>10/31/2017</a:t>
             </a:fld>
             <a:endParaRPr lang="en-US" dirty="0"/>
           </a:p>
@@ -1430,7 +1430,7 @@
               <a:pPr>
                 <a:defRPr/>
               </a:pPr>
-              <a:t>10/23/2017</a:t>
+              <a:t>10/31/2017</a:t>
             </a:fld>
             <a:endParaRPr lang="en-US" dirty="0"/>
           </a:p>
@@ -2019,7 +2019,7 @@
               <a:pPr>
                 <a:defRPr/>
               </a:pPr>
-              <a:t>10/23/2017</a:t>
+              <a:t>10/31/2017</a:t>
             </a:fld>
             <a:endParaRPr lang="en-US" dirty="0"/>
           </a:p>
@@ -2299,7 +2299,7 @@
               <a:pPr>
                 <a:defRPr/>
               </a:pPr>
-              <a:t>10/23/2017</a:t>
+              <a:t>10/31/2017</a:t>
             </a:fld>
             <a:endParaRPr lang="en-US" dirty="0"/>
           </a:p>
@@ -2927,7 +2927,7 @@
               <a:pPr>
                 <a:defRPr/>
               </a:pPr>
-              <a:t>10/23/2017</a:t>
+              <a:t>10/31/2017</a:t>
             </a:fld>
             <a:endParaRPr lang="en-US" dirty="0"/>
           </a:p>
@@ -3847,7 +3847,7 @@
               <a:pPr>
                 <a:defRPr/>
               </a:pPr>
-              <a:t>10/23/2017</a:t>
+              <a:t>10/31/2017</a:t>
             </a:fld>
             <a:endParaRPr lang="en-US" dirty="0"/>
           </a:p>
@@ -4103,7 +4103,7 @@
               <a:pPr>
                 <a:defRPr/>
               </a:pPr>
-              <a:t>10/23/2017</a:t>
+              <a:t>10/31/2017</a:t>
             </a:fld>
             <a:endParaRPr lang="en-US" dirty="0"/>
           </a:p>
@@ -4369,7 +4369,7 @@
               <a:pPr>
                 <a:defRPr/>
               </a:pPr>
-              <a:t>10/23/2017</a:t>
+              <a:t>10/31/2017</a:t>
             </a:fld>
             <a:endParaRPr lang="en-US" dirty="0"/>
           </a:p>
@@ -4630,7 +4630,7 @@
               <a:pPr>
                 <a:defRPr/>
               </a:pPr>
-              <a:t>10/23/2017</a:t>
+              <a:t>10/31/2017</a:t>
             </a:fld>
             <a:endParaRPr lang="en-US" dirty="0"/>
           </a:p>
@@ -4909,7 +4909,7 @@
               <a:pPr>
                 <a:defRPr/>
               </a:pPr>
-              <a:t>10/23/2017</a:t>
+              <a:t>10/31/2017</a:t>
             </a:fld>
             <a:endParaRPr lang="en-US" dirty="0"/>
           </a:p>
@@ -5163,7 +5163,7 @@
               <a:pPr>
                 <a:defRPr/>
               </a:pPr>
-              <a:t>10/23/2017</a:t>
+              <a:t>10/31/2017</a:t>
             </a:fld>
             <a:endParaRPr lang="en-US" dirty="0"/>
           </a:p>
@@ -5578,7 +5578,7 @@
               <a:pPr>
                 <a:defRPr/>
               </a:pPr>
-              <a:t>10/23/2017</a:t>
+              <a:t>10/31/2017</a:t>
             </a:fld>
             <a:endParaRPr lang="en-US" dirty="0"/>
           </a:p>
@@ -5718,7 +5718,7 @@
               <a:pPr>
                 <a:defRPr/>
               </a:pPr>
-              <a:t>10/23/2017</a:t>
+              <a:t>10/31/2017</a:t>
             </a:fld>
             <a:endParaRPr lang="en-US" dirty="0"/>
           </a:p>
@@ -5835,7 +5835,7 @@
               <a:pPr>
                 <a:defRPr/>
               </a:pPr>
-              <a:t>10/23/2017</a:t>
+              <a:t>10/31/2017</a:t>
             </a:fld>
             <a:endParaRPr lang="en-US" dirty="0"/>
           </a:p>
@@ -6132,7 +6132,7 @@
               <a:pPr>
                 <a:defRPr/>
               </a:pPr>
-              <a:t>10/23/2017</a:t>
+              <a:t>10/31/2017</a:t>
             </a:fld>
             <a:endParaRPr lang="en-US" dirty="0"/>
           </a:p>
@@ -6440,7 +6440,7 @@
               <a:pPr>
                 <a:defRPr/>
               </a:pPr>
-              <a:t>10/23/2017</a:t>
+              <a:t>10/31/2017</a:t>
             </a:fld>
             <a:endParaRPr lang="en-US" dirty="0"/>
           </a:p>
@@ -6749,7 +6749,7 @@
               <a:pPr>
                 <a:defRPr/>
               </a:pPr>
-              <a:t>10/23/2017</a:t>
+              <a:t>10/31/2017</a:t>
             </a:fld>
             <a:endParaRPr lang="en-US" dirty="0"/>
           </a:p>
@@ -7368,12 +7368,20 @@
               <a:defRPr/>
             </a:pPr>
             <a:r>
+              <a:rPr lang="en-US" sz="3600">
+                <a:solidFill>
+                  <a:srgbClr val="27AFE5"/>
+                </a:solidFill>
+              </a:rPr>
+              <a:t>Data-Limited Methods </a:t>
+            </a:r>
+            <a:r>
               <a:rPr lang="en-US" sz="3600" dirty="0">
                 <a:solidFill>
                   <a:srgbClr val="27AFE5"/>
                 </a:solidFill>
               </a:rPr>
-              <a:t>Data-Limited Fisheries Toolkit </a:t>
+              <a:t>Toolkit </a:t>
             </a:r>
           </a:p>
         </p:txBody>
